--- a/doc/180926.pptx
+++ b/doc/180926.pptx
@@ -5,7 +5,7 @@
     <p:sldMasterId id="2147483648" r:id="rId1"/>
   </p:sldMasterIdLst>
   <p:notesMasterIdLst>
-    <p:notesMasterId r:id="rId9"/>
+    <p:notesMasterId r:id="rId10"/>
   </p:notesMasterIdLst>
   <p:sldIdLst>
     <p:sldId id="256" r:id="rId2"/>
@@ -15,6 +15,7 @@
     <p:sldId id="259" r:id="rId6"/>
     <p:sldId id="261" r:id="rId7"/>
     <p:sldId id="262" r:id="rId8"/>
+    <p:sldId id="264" r:id="rId9"/>
   </p:sldIdLst>
   <p:sldSz cx="12192000" cy="6858000"/>
   <p:notesSz cx="6858000" cy="9144000"/>
@@ -131,7 +132,15 @@
             <p14:sldId id="262"/>
           </p14:sldIdLst>
         </p14:section>
+        <p14:section name="eeg" id="{31639848-AEF1-47F2-B438-8376D6F34B14}">
+          <p14:sldIdLst>
+            <p14:sldId id="264"/>
+          </p14:sldIdLst>
+        </p14:section>
       </p14:sectionLst>
+    </p:ext>
+    <p:ext uri="{EFAFB233-063F-42B5-8137-9DF3F51BA10A}">
+      <p15:sldGuideLst xmlns:p15="http://schemas.microsoft.com/office/powerpoint/2012/main"/>
     </p:ext>
   </p:extLst>
 </p:presentation>
@@ -651,7 +660,7 @@
                 <a:cs typeface="+mn-cs"/>
               </a:defRPr>
             </a:pPr>
-            <a:endParaRPr lang="en-US"/>
+            <a:endParaRPr lang="zh-CN"/>
           </a:p>
         </c:txPr>
         <c:crossAx val="709785568"/>
@@ -710,7 +719,7 @@
                 <a:cs typeface="+mn-cs"/>
               </a:defRPr>
             </a:pPr>
-            <a:endParaRPr lang="en-US"/>
+            <a:endParaRPr lang="zh-CN"/>
           </a:p>
         </c:txPr>
         <c:crossAx val="709789728"/>
@@ -762,7 +771,7 @@
               <a:cs typeface="+mn-cs"/>
             </a:defRPr>
           </a:pPr>
-          <a:endParaRPr lang="en-US"/>
+          <a:endParaRPr lang="zh-CN"/>
         </a:p>
       </c:txPr>
     </c:legend>
@@ -784,7 +793,7 @@
       <a:pPr>
         <a:defRPr/>
       </a:pPr>
-      <a:endParaRPr lang="en-US"/>
+      <a:endParaRPr lang="zh-CN"/>
     </a:p>
   </c:txPr>
   <c:externalData r:id="rId3">
@@ -1201,7 +1210,7 @@
                 <a:cs typeface="+mn-cs"/>
               </a:defRPr>
             </a:pPr>
-            <a:endParaRPr lang="en-US"/>
+            <a:endParaRPr lang="zh-CN"/>
           </a:p>
         </c:txPr>
         <c:crossAx val="1615511712"/>
@@ -1260,7 +1269,7 @@
                 <a:cs typeface="+mn-cs"/>
               </a:defRPr>
             </a:pPr>
-            <a:endParaRPr lang="en-US"/>
+            <a:endParaRPr lang="zh-CN"/>
           </a:p>
         </c:txPr>
         <c:crossAx val="1615512960"/>
@@ -1312,7 +1321,7 @@
               <a:cs typeface="+mn-cs"/>
             </a:defRPr>
           </a:pPr>
-          <a:endParaRPr lang="en-US"/>
+          <a:endParaRPr lang="zh-CN"/>
         </a:p>
       </c:txPr>
     </c:legend>
@@ -1338,7 +1347,7 @@
       <a:pPr>
         <a:defRPr/>
       </a:pPr>
-      <a:endParaRPr lang="en-US"/>
+      <a:endParaRPr lang="zh-CN"/>
     </a:p>
   </c:txPr>
   <c:externalData r:id="rId3">
@@ -1755,7 +1764,7 @@
                 <a:cs typeface="+mn-cs"/>
               </a:defRPr>
             </a:pPr>
-            <a:endParaRPr lang="en-US"/>
+            <a:endParaRPr lang="zh-CN"/>
           </a:p>
         </c:txPr>
         <c:crossAx val="1615511712"/>
@@ -1814,7 +1823,7 @@
                 <a:cs typeface="+mn-cs"/>
               </a:defRPr>
             </a:pPr>
-            <a:endParaRPr lang="en-US"/>
+            <a:endParaRPr lang="zh-CN"/>
           </a:p>
         </c:txPr>
         <c:crossAx val="1615512960"/>
@@ -1866,7 +1875,7 @@
               <a:cs typeface="+mn-cs"/>
             </a:defRPr>
           </a:pPr>
-          <a:endParaRPr lang="en-US"/>
+          <a:endParaRPr lang="zh-CN"/>
         </a:p>
       </c:txPr>
     </c:legend>
@@ -1892,7 +1901,7 @@
       <a:pPr>
         <a:defRPr/>
       </a:pPr>
-      <a:endParaRPr lang="en-US"/>
+      <a:endParaRPr lang="zh-CN"/>
     </a:p>
   </c:txPr>
   <c:externalData r:id="rId3">
@@ -2768,7 +2777,7 @@
                 <a:cs typeface="+mn-cs"/>
               </a:defRPr>
             </a:pPr>
-            <a:endParaRPr lang="en-US"/>
+            <a:endParaRPr lang="zh-CN"/>
           </a:p>
         </c:txPr>
         <c:crossAx val="1844045200"/>
@@ -2827,7 +2836,7 @@
                 <a:cs typeface="+mn-cs"/>
               </a:defRPr>
             </a:pPr>
-            <a:endParaRPr lang="en-US"/>
+            <a:endParaRPr lang="zh-CN"/>
           </a:p>
         </c:txPr>
         <c:crossAx val="1844053520"/>
@@ -2879,7 +2888,7 @@
               <a:cs typeface="+mn-cs"/>
             </a:defRPr>
           </a:pPr>
-          <a:endParaRPr lang="en-US"/>
+          <a:endParaRPr lang="zh-CN"/>
         </a:p>
       </c:txPr>
     </c:legend>
@@ -2901,7 +2910,7 @@
       <a:pPr>
         <a:defRPr/>
       </a:pPr>
-      <a:endParaRPr lang="en-US"/>
+      <a:endParaRPr lang="zh-CN"/>
     </a:p>
   </c:txPr>
   <c:externalData r:id="rId3">
@@ -9531,11 +9540,11 @@
   <p:clrMapOvr>
     <a:masterClrMapping/>
   </p:clrMapOvr>
-  <mc:AlternateContent xmlns:mc="http://schemas.openxmlformats.org/markup-compatibility/2006">
-    <mc:Choice xmlns:p14="http://schemas.microsoft.com/office/powerpoint/2010/main" Requires="p14">
+  <mc:AlternateContent xmlns:mc="http://schemas.openxmlformats.org/markup-compatibility/2006" xmlns:p14="http://schemas.microsoft.com/office/powerpoint/2010/main">
+    <mc:Choice Requires="p14">
       <p:transition spd="slow" p14:dur="2000"/>
     </mc:Choice>
-    <mc:Fallback>
+    <mc:Fallback xmlns="">
       <p:transition spd="slow"/>
     </mc:Fallback>
   </mc:AlternateContent>
@@ -9598,8 +9607,8 @@
         </p:nvSpPr>
         <p:spPr>
           <a:xfrm>
-            <a:off x="8014104" y="1351215"/>
-            <a:ext cx="3675073" cy="3693319"/>
+            <a:off x="2230670" y="6858000"/>
+            <a:ext cx="3042218" cy="3693319"/>
           </a:xfrm>
           <a:prstGeom prst="rect">
             <a:avLst/>
@@ -9697,7 +9706,6 @@
               <a:rPr lang="en-US" dirty="0" smtClean="0"/>
               <a:t>Gamble: </a:t>
             </a:r>
-            <a:endParaRPr lang="en-US" dirty="0" smtClean="0"/>
           </a:p>
           <a:p>
             <a:pPr defTabSz="342900"/>
@@ -9710,11 +9718,7 @@
             <a:pPr defTabSz="342900"/>
             <a:r>
               <a:rPr lang="en-US" dirty="0" smtClean="0"/>
-              <a:t>	sign: p = </a:t>
-            </a:r>
-            <a:r>
-              <a:rPr lang="en-US" dirty="0" smtClean="0"/>
-              <a:t>.</a:t>
+              <a:t>	sign: p = .</a:t>
             </a:r>
             <a:r>
               <a:rPr lang="en-US" dirty="0"/>
@@ -9729,13 +9733,8 @@
             <a:pPr defTabSz="342900"/>
             <a:r>
               <a:rPr lang="en-US" dirty="0" smtClean="0"/>
-              <a:t>	time*sign: p = </a:t>
-            </a:r>
-            <a:r>
-              <a:rPr lang="en-US" dirty="0" smtClean="0"/>
-              <a:t>.38734</a:t>
-            </a:r>
-            <a:endParaRPr lang="en-US" dirty="0" smtClean="0"/>
+              <a:t>	time*sign: p = .38734</a:t>
+            </a:r>
           </a:p>
         </p:txBody>
       </p:sp>
@@ -9747,8 +9746,8 @@
         </p:nvSpPr>
         <p:spPr>
           <a:xfrm>
-            <a:off x="2230670" y="5270904"/>
-            <a:ext cx="6884210" cy="369332"/>
+            <a:off x="1997756" y="5294959"/>
+            <a:ext cx="7767346" cy="369332"/>
           </a:xfrm>
           <a:prstGeom prst="rect">
             <a:avLst/>
@@ -9775,19 +9774,27 @@
             </a:r>
             <a:r>
               <a:rPr lang="en-US" altLang="zh-CN" dirty="0" smtClean="0"/>
-              <a:t>scale variable. </a:t>
+              <a:t>nominal variable. </a:t>
             </a:r>
             <a:r>
               <a:rPr lang="zh-CN" altLang="en-US" dirty="0" smtClean="0"/>
               <a:t>如果设为</a:t>
             </a:r>
             <a:r>
-              <a:rPr lang="en-US" altLang="zh-CN" dirty="0" smtClean="0"/>
-              <a:t>nominal</a:t>
+              <a:rPr lang="en-US" altLang="zh-CN" dirty="0"/>
+              <a:t>scale</a:t>
             </a:r>
             <a:r>
               <a:rPr lang="zh-CN" altLang="en-US" dirty="0" smtClean="0"/>
-              <a:t>，则所有都不显著</a:t>
+              <a:t>，则有且只有时</a:t>
+            </a:r>
+            <a:r>
+              <a:rPr lang="zh-CN" altLang="en-US" dirty="0"/>
+              <a:t>间效应</a:t>
+            </a:r>
+            <a:r>
+              <a:rPr lang="zh-CN" altLang="en-US" dirty="0" smtClean="0"/>
+              <a:t>显著</a:t>
             </a:r>
             <a:endParaRPr lang="en-US" dirty="0"/>
           </a:p>
@@ -9813,6 +9820,181 @@
               <a:t>4</a:t>
             </a:fld>
             <a:endParaRPr lang="en-US"/>
+          </a:p>
+        </p:txBody>
+      </p:sp>
+      <p:sp>
+        <p:nvSpPr>
+          <p:cNvPr id="8" name="TextBox 7"/>
+          <p:cNvSpPr txBox="1"/>
+          <p:nvPr/>
+        </p:nvSpPr>
+        <p:spPr>
+          <a:xfrm>
+            <a:off x="8339032" y="1211047"/>
+            <a:ext cx="3675073" cy="3693319"/>
+          </a:xfrm>
+          <a:prstGeom prst="rect">
+            <a:avLst/>
+          </a:prstGeom>
+          <a:noFill/>
+        </p:spPr>
+        <p:txBody>
+          <a:bodyPr wrap="square" rtlCol="0">
+            <a:spAutoFit/>
+          </a:bodyPr>
+          <a:lstStyle/>
+          <a:p>
+            <a:r>
+              <a:rPr lang="en-US" altLang="zh-CN" dirty="0" err="1" smtClean="0"/>
+              <a:t>Ranova</a:t>
+            </a:r>
+            <a:r>
+              <a:rPr lang="en-US" altLang="zh-CN" dirty="0" smtClean="0"/>
+              <a:t> </a:t>
+            </a:r>
+            <a:r>
+              <a:rPr lang="zh-CN" altLang="en-US" dirty="0" smtClean="0"/>
+              <a:t>检验</a:t>
+            </a:r>
+            <a:r>
+              <a:rPr lang="en-US" altLang="zh-CN" dirty="0" smtClean="0"/>
+              <a:t>:</a:t>
+            </a:r>
+          </a:p>
+          <a:p>
+            <a:endParaRPr lang="en-US" altLang="zh-CN" dirty="0"/>
+          </a:p>
+          <a:p>
+            <a:pPr defTabSz="342900"/>
+            <a:r>
+              <a:rPr lang="zh-CN" altLang="en-US" dirty="0" smtClean="0"/>
+              <a:t>模型</a:t>
+            </a:r>
+            <a:r>
+              <a:rPr lang="en-US" altLang="zh-CN" dirty="0" smtClean="0"/>
+              <a:t>: time + sign + time*sign</a:t>
+            </a:r>
+          </a:p>
+          <a:p>
+            <a:pPr defTabSz="342900"/>
+            <a:endParaRPr lang="en-US" dirty="0"/>
+          </a:p>
+          <a:p>
+            <a:pPr defTabSz="342900"/>
+            <a:r>
+              <a:rPr lang="en-US" dirty="0" smtClean="0"/>
+              <a:t>Sure reward:</a:t>
+            </a:r>
+          </a:p>
+          <a:p>
+            <a:pPr defTabSz="342900"/>
+            <a:r>
+              <a:rPr lang="en-US" dirty="0"/>
+              <a:t>	</a:t>
+            </a:r>
+            <a:r>
+              <a:rPr lang="en-US" dirty="0" smtClean="0"/>
+              <a:t>time: p = </a:t>
+            </a:r>
+            <a:r>
+              <a:rPr lang="en-US" dirty="0"/>
+              <a:t>. </a:t>
+            </a:r>
+            <a:r>
+              <a:rPr lang="en-US" dirty="0" smtClean="0"/>
+              <a:t>47928</a:t>
+            </a:r>
+          </a:p>
+          <a:p>
+            <a:pPr defTabSz="342900"/>
+            <a:r>
+              <a:rPr lang="en-US" dirty="0"/>
+              <a:t>	</a:t>
+            </a:r>
+            <a:r>
+              <a:rPr lang="en-US" dirty="0" smtClean="0"/>
+              <a:t>sign: p = .</a:t>
+            </a:r>
+            <a:r>
+              <a:rPr lang="en-US" altLang="ja-JP" dirty="0" smtClean="0"/>
+              <a:t>2548</a:t>
+            </a:r>
+            <a:r>
+              <a:rPr lang="en-US" altLang="ja-JP" dirty="0"/>
+              <a:t>6</a:t>
+            </a:r>
+            <a:endParaRPr lang="en-US" dirty="0" smtClean="0"/>
+          </a:p>
+          <a:p>
+            <a:pPr defTabSz="342900"/>
+            <a:r>
+              <a:rPr lang="en-US" dirty="0"/>
+              <a:t>	</a:t>
+            </a:r>
+            <a:r>
+              <a:rPr lang="en-US" dirty="0" smtClean="0"/>
+              <a:t>time*sign: p = .</a:t>
+            </a:r>
+            <a:r>
+              <a:rPr lang="en-US" altLang="ja-JP" dirty="0" smtClean="0"/>
+              <a:t>447</a:t>
+            </a:r>
+            <a:r>
+              <a:rPr lang="en-US" altLang="ja-JP" dirty="0"/>
+              <a:t>7</a:t>
+            </a:r>
+            <a:endParaRPr lang="en-US" dirty="0" smtClean="0"/>
+          </a:p>
+          <a:p>
+            <a:pPr defTabSz="342900"/>
+            <a:endParaRPr lang="en-US" dirty="0"/>
+          </a:p>
+          <a:p>
+            <a:pPr defTabSz="342900"/>
+            <a:r>
+              <a:rPr lang="en-US" dirty="0" smtClean="0"/>
+              <a:t>Gamble: </a:t>
+            </a:r>
+          </a:p>
+          <a:p>
+            <a:pPr defTabSz="342900"/>
+            <a:r>
+              <a:rPr lang="en-US" dirty="0" smtClean="0"/>
+              <a:t>	time: p = .</a:t>
+            </a:r>
+            <a:r>
+              <a:rPr lang="en-US" altLang="ja-JP" dirty="0" smtClean="0"/>
+              <a:t>37175</a:t>
+            </a:r>
+            <a:endParaRPr lang="en-US" dirty="0" smtClean="0"/>
+          </a:p>
+          <a:p>
+            <a:pPr defTabSz="342900"/>
+            <a:r>
+              <a:rPr lang="en-US" dirty="0" smtClean="0"/>
+              <a:t>	sign: p = .</a:t>
+            </a:r>
+            <a:r>
+              <a:rPr lang="en-US" dirty="0"/>
+              <a:t>44822</a:t>
+            </a:r>
+            <a:r>
+              <a:rPr lang="en-US" dirty="0" smtClean="0"/>
+              <a:t> </a:t>
+            </a:r>
+          </a:p>
+          <a:p>
+            <a:pPr defTabSz="342900"/>
+            <a:r>
+              <a:rPr lang="en-US" dirty="0" smtClean="0"/>
+              <a:t>	time*sign: p = .</a:t>
+            </a:r>
+            <a:r>
+              <a:rPr lang="en-US" altLang="ja-JP" dirty="0" smtClean="0"/>
+              <a:t>48647</a:t>
+            </a:r>
+            <a:endParaRPr lang="en-US" dirty="0" smtClean="0"/>
           </a:p>
         </p:txBody>
       </p:sp>
@@ -9934,12 +10116,15 @@
               <a:rPr lang="en-US" sz="1400" dirty="0" smtClean="0"/>
               <a:t>	alpha, lambda, temperature</a:t>
             </a:r>
-            <a:endParaRPr lang="en-US" sz="1400" dirty="0"/>
+            <a:r>
+              <a:rPr lang="en-US" sz="1400" dirty="0"/>
+              <a:t>.</a:t>
+            </a:r>
           </a:p>
         </p:txBody>
       </p:sp>
-      <mc:AlternateContent xmlns:mc="http://schemas.openxmlformats.org/markup-compatibility/2006">
-        <mc:Choice xmlns:a14="http://schemas.microsoft.com/office/drawing/2010/main" Requires="a14">
+      <mc:AlternateContent xmlns:mc="http://schemas.openxmlformats.org/markup-compatibility/2006" xmlns:a14="http://schemas.microsoft.com/office/drawing/2010/main">
+        <mc:Choice Requires="a14">
           <p:sp>
             <p:nvSpPr>
               <p:cNvPr id="8" name="Rectangle 7"/>
@@ -10158,7 +10343,7 @@
             </p:txBody>
           </p:sp>
         </mc:Choice>
-        <mc:Fallback>
+        <mc:Fallback xmlns="">
           <p:sp>
             <p:nvSpPr>
               <p:cNvPr id="8" name="Rectangle 7"/>
@@ -10197,8 +10382,8 @@
           </p:sp>
         </mc:Fallback>
       </mc:AlternateContent>
-      <mc:AlternateContent xmlns:mc="http://schemas.openxmlformats.org/markup-compatibility/2006">
-        <mc:Choice xmlns:a14="http://schemas.microsoft.com/office/drawing/2010/main" Requires="a14">
+      <mc:AlternateContent xmlns:mc="http://schemas.openxmlformats.org/markup-compatibility/2006" xmlns:a14="http://schemas.microsoft.com/office/drawing/2010/main">
+        <mc:Choice Requires="a14">
           <p:sp>
             <p:nvSpPr>
               <p:cNvPr id="9" name="Rectangle 8"/>
@@ -10490,7 +10675,7 @@
             </p:txBody>
           </p:sp>
         </mc:Choice>
-        <mc:Fallback>
+        <mc:Fallback xmlns="">
           <p:sp>
             <p:nvSpPr>
               <p:cNvPr id="9" name="Rectangle 8"/>
@@ -10553,8 +10738,8 @@
           </a:graphicData>
         </a:graphic>
       </p:graphicFrame>
-      <mc:AlternateContent xmlns:mc="http://schemas.openxmlformats.org/markup-compatibility/2006">
-        <mc:Choice xmlns:a14="http://schemas.microsoft.com/office/drawing/2010/main" Requires="a14">
+      <mc:AlternateContent xmlns:mc="http://schemas.openxmlformats.org/markup-compatibility/2006" xmlns:a14="http://schemas.microsoft.com/office/drawing/2010/main">
+        <mc:Choice Requires="a14">
           <p:sp>
             <p:nvSpPr>
               <p:cNvPr id="11" name="TextBox 10"/>
@@ -10577,6 +10762,7 @@
               </a:bodyPr>
               <a:lstStyle/>
               <a:p>
+                <a:pPr/>
                 <a14:m>
                   <m:oMathPara xmlns:m="http://schemas.openxmlformats.org/officeDocument/2006/math">
                     <m:oMathParaPr>
@@ -10627,7 +10813,7 @@
             </p:txBody>
           </p:sp>
         </mc:Choice>
-        <mc:Fallback>
+        <mc:Fallback xmlns="">
           <p:sp>
             <p:nvSpPr>
               <p:cNvPr id="11" name="TextBox 10"/>
@@ -10686,6 +10872,64 @@
               <a:t>5</a:t>
             </a:fld>
             <a:endParaRPr lang="en-US"/>
+          </a:p>
+        </p:txBody>
+      </p:sp>
+      <p:sp>
+        <p:nvSpPr>
+          <p:cNvPr id="2" name="TextBox 1"/>
+          <p:cNvSpPr txBox="1"/>
+          <p:nvPr/>
+        </p:nvSpPr>
+        <p:spPr>
+          <a:xfrm>
+            <a:off x="6982433" y="4703012"/>
+            <a:ext cx="4730937" cy="307777"/>
+          </a:xfrm>
+          <a:prstGeom prst="rect">
+            <a:avLst/>
+          </a:prstGeom>
+          <a:noFill/>
+        </p:spPr>
+        <p:txBody>
+          <a:bodyPr wrap="square" rtlCol="0">
+            <a:spAutoFit/>
+          </a:bodyPr>
+          <a:lstStyle/>
+          <a:p>
+            <a:r>
+              <a:rPr lang="en-US" altLang="zh-CN" sz="1400" dirty="0" smtClean="0"/>
+              <a:t>Alpha </a:t>
+            </a:r>
+            <a:r>
+              <a:rPr lang="zh-CN" altLang="en-US" sz="1400" dirty="0" smtClean="0"/>
+              <a:t>结果与上次不同，</a:t>
+            </a:r>
+            <a:r>
+              <a:rPr lang="en-US" altLang="zh-CN" sz="1400" dirty="0" smtClean="0"/>
+              <a:t>lambda</a:t>
+            </a:r>
+            <a:r>
+              <a:rPr lang="zh-CN" altLang="en-US" sz="1400" dirty="0" smtClean="0"/>
+              <a:t>的均值大于</a:t>
+            </a:r>
+            <a:r>
+              <a:rPr lang="en-US" altLang="zh-CN" sz="1400" dirty="0" smtClean="0"/>
+              <a:t>1</a:t>
+            </a:r>
+            <a:r>
+              <a:rPr lang="zh-CN" altLang="en-US" sz="1400" dirty="0" smtClean="0"/>
+              <a:t>（</a:t>
+            </a:r>
+            <a:r>
+              <a:rPr lang="en-US" altLang="zh-CN" sz="1400" dirty="0" smtClean="0"/>
+              <a:t>loss aversion</a:t>
+            </a:r>
+            <a:r>
+              <a:rPr lang="zh-CN" altLang="en-US" sz="1400" dirty="0" smtClean="0"/>
+              <a:t>）</a:t>
+            </a:r>
+            <a:endParaRPr lang="zh-CN" altLang="en-US" sz="1400" dirty="0"/>
           </a:p>
         </p:txBody>
       </p:sp>
@@ -10764,8 +11008,8 @@
           </a:p>
         </p:txBody>
       </p:sp>
-      <mc:AlternateContent xmlns:mc="http://schemas.openxmlformats.org/markup-compatibility/2006">
-        <mc:Choice xmlns:a14="http://schemas.microsoft.com/office/drawing/2010/main" Requires="a14">
+      <mc:AlternateContent xmlns:mc="http://schemas.openxmlformats.org/markup-compatibility/2006" xmlns:a14="http://schemas.microsoft.com/office/drawing/2010/main">
+        <mc:Choice Requires="a14">
           <p:sp>
             <p:nvSpPr>
               <p:cNvPr id="8" name="Rectangle 7"/>
@@ -10984,7 +11228,7 @@
             </p:txBody>
           </p:sp>
         </mc:Choice>
-        <mc:Fallback>
+        <mc:Fallback xmlns="">
           <p:sp>
             <p:nvSpPr>
               <p:cNvPr id="8" name="Rectangle 7"/>
@@ -11023,8 +11267,8 @@
           </p:sp>
         </mc:Fallback>
       </mc:AlternateContent>
-      <mc:AlternateContent xmlns:mc="http://schemas.openxmlformats.org/markup-compatibility/2006">
-        <mc:Choice xmlns:a14="http://schemas.microsoft.com/office/drawing/2010/main" Requires="a14">
+      <mc:AlternateContent xmlns:mc="http://schemas.openxmlformats.org/markup-compatibility/2006" xmlns:a14="http://schemas.microsoft.com/office/drawing/2010/main">
+        <mc:Choice Requires="a14">
           <p:sp>
             <p:nvSpPr>
               <p:cNvPr id="9" name="Rectangle 8"/>
@@ -11316,7 +11560,7 @@
             </p:txBody>
           </p:sp>
         </mc:Choice>
-        <mc:Fallback>
+        <mc:Fallback xmlns="">
           <p:sp>
             <p:nvSpPr>
               <p:cNvPr id="9" name="Rectangle 8"/>
@@ -11403,8 +11647,8 @@
           </a:prstGeom>
         </p:spPr>
       </p:pic>
-      <mc:AlternateContent xmlns:mc="http://schemas.openxmlformats.org/markup-compatibility/2006">
-        <mc:Choice xmlns:a14="http://schemas.microsoft.com/office/drawing/2010/main" Requires="a14">
+      <mc:AlternateContent xmlns:mc="http://schemas.openxmlformats.org/markup-compatibility/2006" xmlns:a14="http://schemas.microsoft.com/office/drawing/2010/main">
+        <mc:Choice Requires="a14">
           <p:sp>
             <p:nvSpPr>
               <p:cNvPr id="3" name="TextBox 2"/>
@@ -11427,6 +11671,7 @@
               </a:bodyPr>
               <a:lstStyle/>
               <a:p>
+                <a:pPr/>
                 <a14:m>
                   <m:oMathPara xmlns:m="http://schemas.openxmlformats.org/officeDocument/2006/math">
                     <m:oMathParaPr>
@@ -11489,7 +11734,7 @@
             </p:txBody>
           </p:sp>
         </mc:Choice>
-        <mc:Fallback>
+        <mc:Fallback xmlns="">
           <p:sp>
             <p:nvSpPr>
               <p:cNvPr id="3" name="TextBox 2"/>
@@ -11705,6 +11950,430 @@
     <p:extLst>
       <p:ext uri="{BB962C8B-B14F-4D97-AF65-F5344CB8AC3E}">
         <p14:creationId xmlns:p14="http://schemas.microsoft.com/office/powerpoint/2010/main" val="571106535"/>
+      </p:ext>
+    </p:extLst>
+  </p:cSld>
+  <p:clrMapOvr>
+    <a:masterClrMapping/>
+  </p:clrMapOvr>
+</p:sld>
+</file>
+
+<file path=ppt/slides/slide8.xml><?xml version="1.0" encoding="utf-8"?>
+<p:sld xmlns:a="http://schemas.openxmlformats.org/drawingml/2006/main" xmlns:r="http://schemas.openxmlformats.org/officeDocument/2006/relationships" xmlns:p="http://schemas.openxmlformats.org/presentationml/2006/main">
+  <p:cSld>
+    <p:spTree>
+      <p:nvGrpSpPr>
+        <p:cNvPr id="1" name=""/>
+        <p:cNvGrpSpPr/>
+        <p:nvPr/>
+      </p:nvGrpSpPr>
+      <p:grpSpPr>
+        <a:xfrm>
+          <a:off x="0" y="0"/>
+          <a:ext cx="0" cy="0"/>
+          <a:chOff x="0" y="0"/>
+          <a:chExt cx="0" cy="0"/>
+        </a:xfrm>
+      </p:grpSpPr>
+      <p:sp>
+        <p:nvSpPr>
+          <p:cNvPr id="2" name="Title 1"/>
+          <p:cNvSpPr>
+            <a:spLocks noGrp="1"/>
+          </p:cNvSpPr>
+          <p:nvPr>
+            <p:ph type="title"/>
+          </p:nvPr>
+        </p:nvSpPr>
+        <p:spPr/>
+        <p:txBody>
+          <a:bodyPr/>
+          <a:lstStyle/>
+          <a:p>
+            <a:r>
+              <a:rPr lang="en-US" altLang="zh-CN" dirty="0" smtClean="0"/>
+              <a:t>Brain imaging literatures</a:t>
+            </a:r>
+            <a:endParaRPr lang="zh-CN" altLang="en-US" dirty="0"/>
+          </a:p>
+        </p:txBody>
+      </p:sp>
+      <p:sp>
+        <p:nvSpPr>
+          <p:cNvPr id="3" name="Content Placeholder 2"/>
+          <p:cNvSpPr>
+            <a:spLocks noGrp="1"/>
+          </p:cNvSpPr>
+          <p:nvPr>
+            <p:ph idx="1"/>
+          </p:nvPr>
+        </p:nvSpPr>
+        <p:spPr>
+          <a:xfrm>
+            <a:off x="838200" y="1825625"/>
+            <a:ext cx="10515600" cy="4351338"/>
+          </a:xfrm>
+        </p:spPr>
+        <p:txBody>
+          <a:bodyPr>
+            <a:normAutofit/>
+          </a:bodyPr>
+          <a:lstStyle/>
+          <a:p>
+            <a:pPr marL="0" indent="0" defTabSz="3429000">
+              <a:buNone/>
+              <a:tabLst>
+                <a:tab pos="2514600" algn="l"/>
+                <a:tab pos="4175125" algn="l"/>
+              </a:tabLst>
+            </a:pPr>
+            <a:r>
+              <a:rPr lang="en-US" altLang="zh-CN" sz="2400" dirty="0" smtClean="0"/>
+              <a:t>Hare et al., 2011	fMRI	</a:t>
+            </a:r>
+            <a:r>
+              <a:rPr lang="en-US" altLang="zh-CN" sz="2400" dirty="0" err="1"/>
+              <a:t>v</a:t>
+            </a:r>
+            <a:r>
+              <a:rPr lang="en-US" altLang="zh-CN" sz="2400" dirty="0" err="1" smtClean="0"/>
+              <a:t>mPFC</a:t>
+            </a:r>
+            <a:r>
+              <a:rPr lang="en-US" altLang="zh-CN" sz="2400" dirty="0" smtClean="0"/>
+              <a:t>	DDM, motor</a:t>
+            </a:r>
+          </a:p>
+          <a:p>
+            <a:pPr marL="0" indent="0" defTabSz="1717675">
+              <a:buNone/>
+              <a:tabLst>
+                <a:tab pos="2514600" algn="l"/>
+                <a:tab pos="4175125" algn="l"/>
+              </a:tabLst>
+            </a:pPr>
+            <a:r>
+              <a:rPr lang="en-US" altLang="zh-CN" sz="2400" dirty="0" smtClean="0"/>
+              <a:t>Lim et al., 2011	fMRI	</a:t>
+            </a:r>
+            <a:r>
+              <a:rPr lang="en-US" altLang="zh-CN" sz="2400" dirty="0" err="1" smtClean="0"/>
+              <a:t>vmPFC</a:t>
+            </a:r>
+            <a:r>
+              <a:rPr lang="en-US" altLang="zh-CN" sz="2400" dirty="0" smtClean="0"/>
+              <a:t> &amp; striatum	visual attention</a:t>
+            </a:r>
+          </a:p>
+          <a:p>
+            <a:pPr marL="0" indent="0" defTabSz="1717675">
+              <a:buNone/>
+              <a:tabLst>
+                <a:tab pos="2514600" algn="l"/>
+                <a:tab pos="4175125" algn="l"/>
+              </a:tabLst>
+            </a:pPr>
+            <a:r>
+              <a:rPr lang="en-US" altLang="zh-CN" sz="2400" dirty="0" smtClean="0"/>
+              <a:t>Hunt et al., 2012	MEG	distributed	Recurrent</a:t>
+            </a:r>
+          </a:p>
+          <a:p>
+            <a:pPr marL="0" indent="0" defTabSz="3429000">
+              <a:buNone/>
+              <a:tabLst>
+                <a:tab pos="2514600" algn="l"/>
+                <a:tab pos="4175125" algn="l"/>
+              </a:tabLst>
+            </a:pPr>
+            <a:r>
+              <a:rPr lang="en-US" altLang="zh-CN" sz="2400" dirty="0" smtClean="0"/>
+              <a:t>Frank et al., 2015	EEG &amp; fMRI	SMA &amp; STN	DDM, RL</a:t>
+            </a:r>
+            <a:endParaRPr lang="zh-CN" altLang="en-US" sz="2400" dirty="0"/>
+          </a:p>
+        </p:txBody>
+      </p:sp>
+      <p:sp>
+        <p:nvSpPr>
+          <p:cNvPr id="4" name="Slide Number Placeholder 3"/>
+          <p:cNvSpPr>
+            <a:spLocks noGrp="1"/>
+          </p:cNvSpPr>
+          <p:nvPr>
+            <p:ph type="sldNum" sz="quarter" idx="12"/>
+          </p:nvPr>
+        </p:nvSpPr>
+        <p:spPr/>
+        <p:txBody>
+          <a:bodyPr/>
+          <a:lstStyle/>
+          <a:p>
+            <a:fld id="{D0ACEE79-77A2-412C-BBAF-CE6C8F75EB6C}" type="slidenum">
+              <a:rPr lang="en-US" smtClean="0"/>
+              <a:t>8</a:t>
+            </a:fld>
+            <a:endParaRPr lang="en-US"/>
+          </a:p>
+        </p:txBody>
+      </p:sp>
+      <p:pic>
+        <p:nvPicPr>
+          <p:cNvPr id="7" name="Picture 6"/>
+          <p:cNvPicPr>
+            <a:picLocks noChangeAspect="1"/>
+          </p:cNvPicPr>
+          <p:nvPr/>
+        </p:nvPicPr>
+        <p:blipFill>
+          <a:blip r:embed="rId2"/>
+          <a:stretch>
+            <a:fillRect/>
+          </a:stretch>
+        </p:blipFill>
+        <p:spPr>
+          <a:xfrm>
+            <a:off x="4127541" y="4083526"/>
+            <a:ext cx="3233379" cy="2278062"/>
+          </a:xfrm>
+          <a:prstGeom prst="rect">
+            <a:avLst/>
+          </a:prstGeom>
+          <a:ln>
+            <a:noFill/>
+          </a:ln>
+          <a:effectLst>
+            <a:outerShdw blurRad="292100" dist="139700" dir="2700000" algn="tl" rotWithShape="0">
+              <a:srgbClr val="333333">
+                <a:alpha val="65000"/>
+              </a:srgbClr>
+            </a:outerShdw>
+          </a:effectLst>
+        </p:spPr>
+      </p:pic>
+      <p:grpSp>
+        <p:nvGrpSpPr>
+          <p:cNvPr id="9" name="Group 8"/>
+          <p:cNvGrpSpPr/>
+          <p:nvPr/>
+        </p:nvGrpSpPr>
+        <p:grpSpPr>
+          <a:xfrm>
+            <a:off x="279082" y="4078286"/>
+            <a:ext cx="3357563" cy="2278064"/>
+            <a:chOff x="838200" y="3805236"/>
+            <a:chExt cx="4029075" cy="2733676"/>
+          </a:xfrm>
+        </p:grpSpPr>
+        <p:pic>
+          <p:nvPicPr>
+            <p:cNvPr id="6" name="Picture 5"/>
+            <p:cNvPicPr>
+              <a:picLocks noChangeAspect="1"/>
+            </p:cNvPicPr>
+            <p:nvPr/>
+          </p:nvPicPr>
+          <p:blipFill>
+            <a:blip r:embed="rId3"/>
+            <a:stretch>
+              <a:fillRect/>
+            </a:stretch>
+          </p:blipFill>
+          <p:spPr>
+            <a:xfrm>
+              <a:off x="838200" y="3805237"/>
+              <a:ext cx="4029075" cy="2733675"/>
+            </a:xfrm>
+            <a:prstGeom prst="rect">
+              <a:avLst/>
+            </a:prstGeom>
+            <a:ln>
+              <a:noFill/>
+            </a:ln>
+            <a:effectLst>
+              <a:outerShdw blurRad="292100" dist="139700" dir="2700000" algn="tl" rotWithShape="0">
+                <a:srgbClr val="333333">
+                  <a:alpha val="65000"/>
+                </a:srgbClr>
+              </a:outerShdw>
+            </a:effectLst>
+          </p:spPr>
+        </p:pic>
+        <p:sp>
+          <p:nvSpPr>
+            <p:cNvPr id="8" name="Rectangle 7"/>
+            <p:cNvSpPr/>
+            <p:nvPr/>
+          </p:nvSpPr>
+          <p:spPr>
+            <a:xfrm>
+              <a:off x="838200" y="3805236"/>
+              <a:ext cx="304800" cy="385764"/>
+            </a:xfrm>
+            <a:prstGeom prst="rect">
+              <a:avLst/>
+            </a:prstGeom>
+            <a:solidFill>
+              <a:schemeClr val="bg1"/>
+            </a:solidFill>
+            <a:ln>
+              <a:noFill/>
+            </a:ln>
+          </p:spPr>
+          <p:style>
+            <a:lnRef idx="2">
+              <a:schemeClr val="accent1">
+                <a:shade val="50000"/>
+              </a:schemeClr>
+            </a:lnRef>
+            <a:fillRef idx="1">
+              <a:schemeClr val="accent1"/>
+            </a:fillRef>
+            <a:effectRef idx="0">
+              <a:schemeClr val="accent1"/>
+            </a:effectRef>
+            <a:fontRef idx="minor">
+              <a:schemeClr val="lt1"/>
+            </a:fontRef>
+          </p:style>
+          <p:txBody>
+            <a:bodyPr rtlCol="0" anchor="ctr"/>
+            <a:lstStyle/>
+            <a:p>
+              <a:pPr algn="ctr"/>
+              <a:endParaRPr lang="zh-CN" altLang="en-US"/>
+            </a:p>
+          </p:txBody>
+        </p:sp>
+      </p:grpSp>
+      <p:pic>
+        <p:nvPicPr>
+          <p:cNvPr id="10" name="Picture 9"/>
+          <p:cNvPicPr>
+            <a:picLocks noChangeAspect="1"/>
+          </p:cNvPicPr>
+          <p:nvPr/>
+        </p:nvPicPr>
+        <p:blipFill rotWithShape="1">
+          <a:blip r:embed="rId4"/>
+          <a:srcRect l="7096"/>
+          <a:stretch/>
+        </p:blipFill>
+        <p:spPr>
+          <a:xfrm>
+            <a:off x="7696199" y="4078286"/>
+            <a:ext cx="4342823" cy="2233614"/>
+          </a:xfrm>
+          <a:prstGeom prst="rect">
+            <a:avLst/>
+          </a:prstGeom>
+          <a:ln>
+            <a:noFill/>
+          </a:ln>
+          <a:effectLst>
+            <a:outerShdw blurRad="292100" dist="139700" dir="2700000" algn="tl" rotWithShape="0">
+              <a:srgbClr val="333333">
+                <a:alpha val="65000"/>
+              </a:srgbClr>
+            </a:outerShdw>
+          </a:effectLst>
+        </p:spPr>
+      </p:pic>
+      <p:sp>
+        <p:nvSpPr>
+          <p:cNvPr id="11" name="TextBox 10"/>
+          <p:cNvSpPr txBox="1"/>
+          <p:nvPr/>
+        </p:nvSpPr>
+        <p:spPr>
+          <a:xfrm>
+            <a:off x="1005840" y="6356350"/>
+            <a:ext cx="1905000" cy="369332"/>
+          </a:xfrm>
+          <a:prstGeom prst="rect">
+            <a:avLst/>
+          </a:prstGeom>
+          <a:noFill/>
+        </p:spPr>
+        <p:txBody>
+          <a:bodyPr wrap="square" rtlCol="0">
+            <a:spAutoFit/>
+          </a:bodyPr>
+          <a:lstStyle/>
+          <a:p>
+            <a:r>
+              <a:rPr lang="en-US" altLang="zh-CN" dirty="0" smtClean="0"/>
+              <a:t>Recurrent model</a:t>
+            </a:r>
+            <a:endParaRPr lang="zh-CN" altLang="en-US" dirty="0"/>
+          </a:p>
+        </p:txBody>
+      </p:sp>
+      <p:sp>
+        <p:nvSpPr>
+          <p:cNvPr id="12" name="TextBox 11"/>
+          <p:cNvSpPr txBox="1"/>
+          <p:nvPr/>
+        </p:nvSpPr>
+        <p:spPr>
+          <a:xfrm>
+            <a:off x="5280183" y="6356985"/>
+            <a:ext cx="772478" cy="369332"/>
+          </a:xfrm>
+          <a:prstGeom prst="rect">
+            <a:avLst/>
+          </a:prstGeom>
+          <a:noFill/>
+        </p:spPr>
+        <p:txBody>
+          <a:bodyPr wrap="square" rtlCol="0">
+            <a:spAutoFit/>
+          </a:bodyPr>
+          <a:lstStyle/>
+          <a:p>
+            <a:r>
+              <a:rPr lang="en-US" altLang="zh-CN" dirty="0" smtClean="0"/>
+              <a:t>DDM</a:t>
+            </a:r>
+            <a:endParaRPr lang="zh-CN" altLang="en-US" dirty="0"/>
+          </a:p>
+        </p:txBody>
+      </p:sp>
+      <p:sp>
+        <p:nvSpPr>
+          <p:cNvPr id="13" name="TextBox 12"/>
+          <p:cNvSpPr txBox="1"/>
+          <p:nvPr/>
+        </p:nvSpPr>
+        <p:spPr>
+          <a:xfrm>
+            <a:off x="9481371" y="6356350"/>
+            <a:ext cx="772478" cy="369332"/>
+          </a:xfrm>
+          <a:prstGeom prst="rect">
+            <a:avLst/>
+          </a:prstGeom>
+          <a:noFill/>
+        </p:spPr>
+        <p:txBody>
+          <a:bodyPr wrap="square" rtlCol="0">
+            <a:spAutoFit/>
+          </a:bodyPr>
+          <a:lstStyle/>
+          <a:p>
+            <a:r>
+              <a:rPr lang="en-US" altLang="zh-CN" dirty="0" smtClean="0"/>
+              <a:t>FFT</a:t>
+            </a:r>
+            <a:endParaRPr lang="zh-CN" altLang="en-US" dirty="0"/>
+          </a:p>
+        </p:txBody>
+      </p:sp>
+    </p:spTree>
+    <p:extLst>
+      <p:ext uri="{BB962C8B-B14F-4D97-AF65-F5344CB8AC3E}">
+        <p14:creationId xmlns:p14="http://schemas.microsoft.com/office/powerpoint/2010/main" val="2657745848"/>
       </p:ext>
     </p:extLst>
   </p:cSld>
